--- a/Final/Camuler.pptx
+++ b/Final/Camuler.pptx
@@ -5,16 +5,20 @@
     <p:sldMasterId id="2147483648" r:id="rId1"/>
   </p:sldMasterIdLst>
   <p:notesMasterIdLst>
-    <p:notesMasterId r:id="rId9"/>
+    <p:notesMasterId r:id="rId13"/>
   </p:notesMasterIdLst>
   <p:sldIdLst>
     <p:sldId id="256" r:id="rId2"/>
     <p:sldId id="263" r:id="rId3"/>
-    <p:sldId id="260" r:id="rId4"/>
-    <p:sldId id="261" r:id="rId5"/>
-    <p:sldId id="257" r:id="rId6"/>
-    <p:sldId id="258" r:id="rId7"/>
-    <p:sldId id="259" r:id="rId8"/>
+    <p:sldId id="271" r:id="rId4"/>
+    <p:sldId id="272" r:id="rId5"/>
+    <p:sldId id="260" r:id="rId6"/>
+    <p:sldId id="261" r:id="rId7"/>
+    <p:sldId id="257" r:id="rId8"/>
+    <p:sldId id="258" r:id="rId9"/>
+    <p:sldId id="259" r:id="rId10"/>
+    <p:sldId id="264" r:id="rId11"/>
+    <p:sldId id="265" r:id="rId12"/>
   </p:sldIdLst>
   <p:sldSz cx="12192000" cy="6858000"/>
   <p:notesSz cx="6858000" cy="9144000"/>
@@ -113,6 +117,11 @@
       </a:defRPr>
     </a:lvl9pPr>
   </p:defaultTextStyle>
+  <p:extLst>
+    <p:ext uri="{EFAFB233-063F-42B5-8137-9DF3F51BA10A}">
+      <p15:sldGuideLst xmlns:p15="http://schemas.microsoft.com/office/powerpoint/2012/main"/>
+    </p:ext>
+  </p:extLst>
 </p:presentation>
 </file>
 
@@ -545,6 +554,94 @@
     <p:extLst>
       <p:ext uri="{BB962C8B-B14F-4D97-AF65-F5344CB8AC3E}">
         <p14:creationId xmlns:p14="http://schemas.microsoft.com/office/powerpoint/2010/main" val="444102552"/>
+      </p:ext>
+    </p:extLst>
+  </p:cSld>
+  <p:clrMapOvr>
+    <a:masterClrMapping/>
+  </p:clrMapOvr>
+</p:notes>
+</file>
+
+<file path=ppt/notesSlides/notesSlide2.xml><?xml version="1.0" encoding="utf-8"?>
+<p:notes xmlns:a="http://schemas.openxmlformats.org/drawingml/2006/main" xmlns:r="http://schemas.openxmlformats.org/officeDocument/2006/relationships" xmlns:p="http://schemas.openxmlformats.org/presentationml/2006/main">
+  <p:cSld>
+    <p:spTree>
+      <p:nvGrpSpPr>
+        <p:cNvPr id="1" name=""/>
+        <p:cNvGrpSpPr/>
+        <p:nvPr/>
+      </p:nvGrpSpPr>
+      <p:grpSpPr>
+        <a:xfrm>
+          <a:off x="0" y="0"/>
+          <a:ext cx="0" cy="0"/>
+          <a:chOff x="0" y="0"/>
+          <a:chExt cx="0" cy="0"/>
+        </a:xfrm>
+      </p:grpSpPr>
+      <p:sp>
+        <p:nvSpPr>
+          <p:cNvPr id="2" name="Slide Image Placeholder 1"/>
+          <p:cNvSpPr>
+            <a:spLocks noGrp="1" noRot="1" noChangeAspect="1"/>
+          </p:cNvSpPr>
+          <p:nvPr>
+            <p:ph type="sldImg"/>
+          </p:nvPr>
+        </p:nvSpPr>
+        <p:spPr/>
+      </p:sp>
+      <p:sp>
+        <p:nvSpPr>
+          <p:cNvPr id="3" name="Notes Placeholder 2"/>
+          <p:cNvSpPr>
+            <a:spLocks noGrp="1"/>
+          </p:cNvSpPr>
+          <p:nvPr>
+            <p:ph type="body" idx="1"/>
+          </p:nvPr>
+        </p:nvSpPr>
+        <p:spPr/>
+        <p:txBody>
+          <a:bodyPr/>
+          <a:lstStyle/>
+          <a:p>
+            <a:r>
+              <a:rPr lang="en-US" dirty="0"/>
+              <a:t>What if I take a note here?</a:t>
+            </a:r>
+            <a:endParaRPr lang="en-GB" dirty="0"/>
+          </a:p>
+        </p:txBody>
+      </p:sp>
+      <p:sp>
+        <p:nvSpPr>
+          <p:cNvPr id="4" name="Slide Number Placeholder 3"/>
+          <p:cNvSpPr>
+            <a:spLocks noGrp="1"/>
+          </p:cNvSpPr>
+          <p:nvPr>
+            <p:ph type="sldNum" sz="quarter" idx="10"/>
+          </p:nvPr>
+        </p:nvSpPr>
+        <p:spPr/>
+        <p:txBody>
+          <a:bodyPr/>
+          <a:lstStyle/>
+          <a:p>
+            <a:fld id="{5F6B117C-2DAD-4241-9A4C-172FD8F175F0}" type="slidenum">
+              <a:rPr lang="en-GB" smtClean="0"/>
+              <a:t>5</a:t>
+            </a:fld>
+            <a:endParaRPr lang="en-GB"/>
+          </a:p>
+        </p:txBody>
+      </p:sp>
+    </p:spTree>
+    <p:extLst>
+      <p:ext uri="{BB962C8B-B14F-4D97-AF65-F5344CB8AC3E}">
+        <p14:creationId xmlns:p14="http://schemas.microsoft.com/office/powerpoint/2010/main" val="3688836282"/>
       </p:ext>
     </p:extLst>
   </p:cSld>
@@ -3851,6 +3948,132 @@
 </p:sld>
 </file>
 
+<file path=ppt/slides/slide10.xml><?xml version="1.0" encoding="utf-8"?>
+<p:sld xmlns:a="http://schemas.openxmlformats.org/drawingml/2006/main" xmlns:r="http://schemas.openxmlformats.org/officeDocument/2006/relationships" xmlns:p="http://schemas.openxmlformats.org/presentationml/2006/main">
+  <p:cSld>
+    <p:spTree>
+      <p:nvGrpSpPr>
+        <p:cNvPr id="1" name=""/>
+        <p:cNvGrpSpPr/>
+        <p:nvPr/>
+      </p:nvGrpSpPr>
+      <p:grpSpPr>
+        <a:xfrm>
+          <a:off x="0" y="0"/>
+          <a:ext cx="0" cy="0"/>
+          <a:chOff x="0" y="0"/>
+          <a:chExt cx="0" cy="0"/>
+        </a:xfrm>
+      </p:grpSpPr>
+      <p:sp>
+        <p:nvSpPr>
+          <p:cNvPr id="4" name="Title 1">
+            <a:extLst>
+              <a:ext uri="{FF2B5EF4-FFF2-40B4-BE49-F238E27FC236}">
+                <a16:creationId xmlns:a16="http://schemas.microsoft.com/office/drawing/2014/main" id="{EBFEA6EA-D58D-446D-A6B9-730B99A05F3B}"/>
+              </a:ext>
+            </a:extLst>
+          </p:cNvPr>
+          <p:cNvSpPr txBox="1">
+            <a:spLocks/>
+          </p:cNvSpPr>
+          <p:nvPr/>
+        </p:nvSpPr>
+        <p:spPr>
+          <a:xfrm>
+            <a:off x="1524000" y="1336967"/>
+            <a:ext cx="9144000" cy="2880470"/>
+          </a:xfrm>
+          <a:prstGeom prst="rect">
+            <a:avLst/>
+          </a:prstGeom>
+        </p:spPr>
+        <p:txBody>
+          <a:bodyPr vert="horz" lIns="91440" tIns="45720" rIns="91440" bIns="45720" rtlCol="0" anchor="ctr">
+            <a:noAutofit/>
+          </a:bodyPr>
+          <a:lstStyle>
+            <a:lvl1pPr algn="l" defTabSz="914400" rtl="0" eaLnBrk="1" latinLnBrk="0" hangingPunct="1">
+              <a:lnSpc>
+                <a:spcPct val="90000"/>
+              </a:lnSpc>
+              <a:spcBef>
+                <a:spcPct val="0"/>
+              </a:spcBef>
+              <a:buNone/>
+              <a:defRPr sz="4400" kern="1200">
+                <a:solidFill>
+                  <a:schemeClr val="tx1"/>
+                </a:solidFill>
+                <a:latin typeface="+mj-lt"/>
+                <a:ea typeface="+mj-ea"/>
+                <a:cs typeface="+mj-cs"/>
+              </a:defRPr>
+            </a:lvl1pPr>
+          </a:lstStyle>
+          <a:p>
+            <a:pPr algn="ctr"/>
+            <a:r>
+              <a:rPr lang="en-US" sz="8800" dirty="0">
+                <a:solidFill>
+                  <a:schemeClr val="bg1"/>
+                </a:solidFill>
+                <a:latin typeface="Calisto MT" panose="02040603050505030304" pitchFamily="18" charset="0"/>
+              </a:rPr>
+              <a:t>Imagine…</a:t>
+            </a:r>
+            <a:endParaRPr lang="en-GB" sz="8800" dirty="0">
+              <a:solidFill>
+                <a:schemeClr val="bg1"/>
+              </a:solidFill>
+              <a:latin typeface="Calisto MT" panose="02040603050505030304" pitchFamily="18" charset="0"/>
+            </a:endParaRPr>
+          </a:p>
+        </p:txBody>
+      </p:sp>
+    </p:spTree>
+    <p:extLst>
+      <p:ext uri="{BB962C8B-B14F-4D97-AF65-F5344CB8AC3E}">
+        <p14:creationId xmlns:p14="http://schemas.microsoft.com/office/powerpoint/2010/main" val="3557039715"/>
+      </p:ext>
+    </p:extLst>
+  </p:cSld>
+  <p:clrMapOvr>
+    <a:masterClrMapping/>
+  </p:clrMapOvr>
+</p:sld>
+</file>
+
+<file path=ppt/slides/slide11.xml><?xml version="1.0" encoding="utf-8"?>
+<p:sld xmlns:a="http://schemas.openxmlformats.org/drawingml/2006/main" xmlns:r="http://schemas.openxmlformats.org/officeDocument/2006/relationships" xmlns:p="http://schemas.openxmlformats.org/presentationml/2006/main">
+  <p:cSld>
+    <p:spTree>
+      <p:nvGrpSpPr>
+        <p:cNvPr id="1" name=""/>
+        <p:cNvGrpSpPr/>
+        <p:nvPr/>
+      </p:nvGrpSpPr>
+      <p:grpSpPr>
+        <a:xfrm>
+          <a:off x="0" y="0"/>
+          <a:ext cx="0" cy="0"/>
+          <a:chOff x="0" y="0"/>
+          <a:chExt cx="0" cy="0"/>
+        </a:xfrm>
+      </p:grpSpPr>
+    </p:spTree>
+    <p:extLst>
+      <p:ext uri="{BB962C8B-B14F-4D97-AF65-F5344CB8AC3E}">
+        <p14:creationId xmlns:p14="http://schemas.microsoft.com/office/powerpoint/2010/main" val="2900706288"/>
+      </p:ext>
+    </p:extLst>
+  </p:cSld>
+  <p:clrMapOvr>
+    <a:masterClrMapping/>
+  </p:clrMapOvr>
+</p:sld>
+</file>
+
 <file path=ppt/slides/slide2.xml><?xml version="1.0" encoding="utf-8"?>
 <p:sld xmlns:a="http://schemas.openxmlformats.org/drawingml/2006/main" xmlns:r="http://schemas.openxmlformats.org/officeDocument/2006/relationships" xmlns:p="http://schemas.openxmlformats.org/presentationml/2006/main">
   <p:cSld>
@@ -3884,8 +4107,8 @@
         </p:nvSpPr>
         <p:spPr>
           <a:xfrm>
-            <a:off x="1524000" y="1336967"/>
-            <a:ext cx="9144000" cy="2880470"/>
+            <a:off x="2038905" y="2379217"/>
+            <a:ext cx="7886330" cy="1616280"/>
           </a:xfrm>
           <a:prstGeom prst="rect">
             <a:avLst/>
@@ -3966,10 +4189,10 @@
       </p:grpSpPr>
       <p:sp>
         <p:nvSpPr>
-          <p:cNvPr id="5" name="Title 1">
-            <a:extLst>
-              <a:ext uri="{FF2B5EF4-FFF2-40B4-BE49-F238E27FC236}">
-                <a16:creationId xmlns:a16="http://schemas.microsoft.com/office/drawing/2014/main" id="{8D721DF4-BFB0-4B5C-9827-AD91B3C7A2BC}"/>
+          <p:cNvPr id="4" name="Title 1">
+            <a:extLst>
+              <a:ext uri="{FF2B5EF4-FFF2-40B4-BE49-F238E27FC236}">
+                <a16:creationId xmlns:a16="http://schemas.microsoft.com/office/drawing/2014/main" id="{707DA3D5-A037-49FD-89BB-214305CBF579}"/>
               </a:ext>
             </a:extLst>
           </p:cNvPr>
@@ -3980,8 +4203,8 @@
         </p:nvSpPr>
         <p:spPr>
           <a:xfrm>
-            <a:off x="1524000" y="1336967"/>
-            <a:ext cx="9144000" cy="2880470"/>
+            <a:off x="2012271" y="958790"/>
+            <a:ext cx="7886330" cy="1616280"/>
           </a:xfrm>
           <a:prstGeom prst="rect">
             <a:avLst/>
@@ -4011,6 +4234,7 @@
             </a:lvl1pPr>
           </a:lstStyle>
           <a:p>
+            <a:pPr algn="ctr"/>
             <a:r>
               <a:rPr lang="en-US" sz="8800" dirty="0">
                 <a:solidFill>
@@ -4018,7 +4242,7 @@
                 </a:solidFill>
                 <a:latin typeface="Calisto MT" panose="02040603050505030304" pitchFamily="18" charset="0"/>
               </a:rPr>
-              <a:t>1. Height</a:t>
+              <a:t>CAMULER</a:t>
             </a:r>
             <a:endParaRPr lang="en-GB" sz="8800" dirty="0">
               <a:solidFill>
@@ -4029,10 +4253,57 @@
           </a:p>
         </p:txBody>
       </p:sp>
+      <p:sp>
+        <p:nvSpPr>
+          <p:cNvPr id="2" name="TextBox 1">
+            <a:extLst>
+              <a:ext uri="{FF2B5EF4-FFF2-40B4-BE49-F238E27FC236}">
+                <a16:creationId xmlns:a16="http://schemas.microsoft.com/office/drawing/2014/main" id="{43713374-0B0F-4D89-A62B-96013E654C01}"/>
+              </a:ext>
+            </a:extLst>
+          </p:cNvPr>
+          <p:cNvSpPr txBox="1"/>
+          <p:nvPr/>
+        </p:nvSpPr>
+        <p:spPr>
+          <a:xfrm>
+            <a:off x="26630" y="2936977"/>
+            <a:ext cx="12192000" cy="1015663"/>
+          </a:xfrm>
+          <a:prstGeom prst="rect">
+            <a:avLst/>
+          </a:prstGeom>
+          <a:noFill/>
+        </p:spPr>
+        <p:txBody>
+          <a:bodyPr wrap="square" rtlCol="0">
+            <a:spAutoFit/>
+          </a:bodyPr>
+          <a:lstStyle/>
+          <a:p>
+            <a:pPr algn="ctr"/>
+            <a:r>
+              <a:rPr lang="en-US" sz="6000" dirty="0">
+                <a:solidFill>
+                  <a:schemeClr val="bg1"/>
+                </a:solidFill>
+                <a:latin typeface="Calisto MT" panose="02040603050505030304" pitchFamily="18" charset="0"/>
+              </a:rPr>
+              <a:t>Simple   Accurate   Fast</a:t>
+            </a:r>
+            <a:endParaRPr lang="en-GB" sz="6000" dirty="0">
+              <a:solidFill>
+                <a:schemeClr val="bg1"/>
+              </a:solidFill>
+              <a:latin typeface="Calisto MT" panose="02040603050505030304" pitchFamily="18" charset="0"/>
+            </a:endParaRPr>
+          </a:p>
+        </p:txBody>
+      </p:sp>
     </p:spTree>
     <p:extLst>
       <p:ext uri="{BB962C8B-B14F-4D97-AF65-F5344CB8AC3E}">
-        <p14:creationId xmlns:p14="http://schemas.microsoft.com/office/powerpoint/2010/main" val="3060582943"/>
+        <p14:creationId xmlns:p14="http://schemas.microsoft.com/office/powerpoint/2010/main" val="2236266252"/>
       </p:ext>
     </p:extLst>
   </p:cSld>
@@ -4061,73 +4332,58 @@
       </p:grpSpPr>
       <p:sp>
         <p:nvSpPr>
-          <p:cNvPr id="5" name="Title 1">
-            <a:extLst>
-              <a:ext uri="{FF2B5EF4-FFF2-40B4-BE49-F238E27FC236}">
-                <a16:creationId xmlns:a16="http://schemas.microsoft.com/office/drawing/2014/main" id="{8D721DF4-BFB0-4B5C-9827-AD91B3C7A2BC}"/>
-              </a:ext>
-            </a:extLst>
-          </p:cNvPr>
-          <p:cNvSpPr txBox="1">
-            <a:spLocks/>
-          </p:cNvSpPr>
-          <p:nvPr/>
-        </p:nvSpPr>
-        <p:spPr>
-          <a:xfrm>
-            <a:off x="1524000" y="1336967"/>
-            <a:ext cx="9144000" cy="2880470"/>
-          </a:xfrm>
-          <a:prstGeom prst="rect">
-            <a:avLst/>
-          </a:prstGeom>
-        </p:spPr>
-        <p:txBody>
-          <a:bodyPr vert="horz" lIns="91440" tIns="45720" rIns="91440" bIns="45720" rtlCol="0" anchor="ctr">
-            <a:noAutofit/>
-          </a:bodyPr>
-          <a:lstStyle>
-            <a:lvl1pPr algn="l" defTabSz="914400" rtl="0" eaLnBrk="1" latinLnBrk="0" hangingPunct="1">
-              <a:lnSpc>
-                <a:spcPct val="90000"/>
-              </a:lnSpc>
-              <a:spcBef>
-                <a:spcPct val="0"/>
-              </a:spcBef>
-              <a:buNone/>
-              <a:defRPr sz="4400" kern="1200">
-                <a:solidFill>
-                  <a:schemeClr val="tx1"/>
-                </a:solidFill>
-                <a:latin typeface="+mj-lt"/>
-                <a:ea typeface="+mj-ea"/>
-                <a:cs typeface="+mj-cs"/>
-              </a:defRPr>
-            </a:lvl1pPr>
-          </a:lstStyle>
-          <a:p>
-            <a:r>
-              <a:rPr lang="en-US" sz="8800" dirty="0">
-                <a:solidFill>
-                  <a:schemeClr val="bg1"/>
-                </a:solidFill>
-                <a:latin typeface="Calisto MT" panose="02040603050505030304" pitchFamily="18" charset="0"/>
-              </a:rPr>
-              <a:t>2. Snap</a:t>
-            </a:r>
-            <a:endParaRPr lang="en-GB" sz="8800" dirty="0">
-              <a:solidFill>
-                <a:schemeClr val="bg1"/>
-              </a:solidFill>
-              <a:latin typeface="Calisto MT" panose="02040603050505030304" pitchFamily="18" charset="0"/>
-            </a:endParaRPr>
+          <p:cNvPr id="2" name="Title 1">
+            <a:extLst>
+              <a:ext uri="{FF2B5EF4-FFF2-40B4-BE49-F238E27FC236}">
+                <a16:creationId xmlns:a16="http://schemas.microsoft.com/office/drawing/2014/main" id="{BAA5CA63-90B3-454A-AF4E-EEDDF057884E}"/>
+              </a:ext>
+            </a:extLst>
+          </p:cNvPr>
+          <p:cNvSpPr>
+            <a:spLocks noGrp="1"/>
+          </p:cNvSpPr>
+          <p:nvPr>
+            <p:ph type="title"/>
+          </p:nvPr>
+        </p:nvSpPr>
+        <p:spPr/>
+        <p:txBody>
+          <a:bodyPr/>
+          <a:lstStyle/>
+          <a:p>
+            <a:endParaRPr lang="en-GB"/>
+          </a:p>
+        </p:txBody>
+      </p:sp>
+      <p:sp>
+        <p:nvSpPr>
+          <p:cNvPr id="3" name="Content Placeholder 2">
+            <a:extLst>
+              <a:ext uri="{FF2B5EF4-FFF2-40B4-BE49-F238E27FC236}">
+                <a16:creationId xmlns:a16="http://schemas.microsoft.com/office/drawing/2014/main" id="{02B7CE1F-0A19-4BB8-BFBF-480B7F40B654}"/>
+              </a:ext>
+            </a:extLst>
+          </p:cNvPr>
+          <p:cNvSpPr>
+            <a:spLocks noGrp="1"/>
+          </p:cNvSpPr>
+          <p:nvPr>
+            <p:ph idx="1"/>
+          </p:nvPr>
+        </p:nvSpPr>
+        <p:spPr/>
+        <p:txBody>
+          <a:bodyPr/>
+          <a:lstStyle/>
+          <a:p>
+            <a:endParaRPr lang="en-GB"/>
           </a:p>
         </p:txBody>
       </p:sp>
     </p:spTree>
     <p:extLst>
       <p:ext uri="{BB962C8B-B14F-4D97-AF65-F5344CB8AC3E}">
-        <p14:creationId xmlns:p14="http://schemas.microsoft.com/office/powerpoint/2010/main" val="2577616167"/>
+        <p14:creationId xmlns:p14="http://schemas.microsoft.com/office/powerpoint/2010/main" val="2520350233"/>
       </p:ext>
     </p:extLst>
   </p:cSld>
@@ -4156,10 +4412,10 @@
       </p:grpSpPr>
       <p:sp>
         <p:nvSpPr>
-          <p:cNvPr id="4" name="Title 1">
-            <a:extLst>
-              <a:ext uri="{FF2B5EF4-FFF2-40B4-BE49-F238E27FC236}">
-                <a16:creationId xmlns:a16="http://schemas.microsoft.com/office/drawing/2014/main" id="{1FCE927C-E1DE-49DC-91C7-7B44C67A10CB}"/>
+          <p:cNvPr id="5" name="Title 1">
+            <a:extLst>
+              <a:ext uri="{FF2B5EF4-FFF2-40B4-BE49-F238E27FC236}">
+                <a16:creationId xmlns:a16="http://schemas.microsoft.com/office/drawing/2014/main" id="{8D721DF4-BFB0-4B5C-9827-AD91B3C7A2BC}"/>
               </a:ext>
             </a:extLst>
           </p:cNvPr>
@@ -4201,7 +4457,6 @@
             </a:lvl1pPr>
           </a:lstStyle>
           <a:p>
-            <a:pPr algn="ctr"/>
             <a:r>
               <a:rPr lang="en-US" sz="8800" dirty="0">
                 <a:solidFill>
@@ -4209,7 +4464,7 @@
                 </a:solidFill>
                 <a:latin typeface="Calisto MT" panose="02040603050505030304" pitchFamily="18" charset="0"/>
               </a:rPr>
-              <a:t>Computer Vision Technology</a:t>
+              <a:t>1. Height</a:t>
             </a:r>
             <a:endParaRPr lang="en-GB" sz="8800" dirty="0">
               <a:solidFill>
@@ -4223,7 +4478,7 @@
     </p:spTree>
     <p:extLst>
       <p:ext uri="{BB962C8B-B14F-4D97-AF65-F5344CB8AC3E}">
-        <p14:creationId xmlns:p14="http://schemas.microsoft.com/office/powerpoint/2010/main" val="2420334845"/>
+        <p14:creationId xmlns:p14="http://schemas.microsoft.com/office/powerpoint/2010/main" val="3060582943"/>
       </p:ext>
     </p:extLst>
   </p:cSld>
@@ -4252,6 +4507,197 @@
       </p:grpSpPr>
       <p:sp>
         <p:nvSpPr>
+          <p:cNvPr id="5" name="Title 1">
+            <a:extLst>
+              <a:ext uri="{FF2B5EF4-FFF2-40B4-BE49-F238E27FC236}">
+                <a16:creationId xmlns:a16="http://schemas.microsoft.com/office/drawing/2014/main" id="{8D721DF4-BFB0-4B5C-9827-AD91B3C7A2BC}"/>
+              </a:ext>
+            </a:extLst>
+          </p:cNvPr>
+          <p:cNvSpPr txBox="1">
+            <a:spLocks/>
+          </p:cNvSpPr>
+          <p:nvPr/>
+        </p:nvSpPr>
+        <p:spPr>
+          <a:xfrm>
+            <a:off x="1524000" y="1336967"/>
+            <a:ext cx="9144000" cy="2880470"/>
+          </a:xfrm>
+          <a:prstGeom prst="rect">
+            <a:avLst/>
+          </a:prstGeom>
+        </p:spPr>
+        <p:txBody>
+          <a:bodyPr vert="horz" lIns="91440" tIns="45720" rIns="91440" bIns="45720" rtlCol="0" anchor="ctr">
+            <a:noAutofit/>
+          </a:bodyPr>
+          <a:lstStyle>
+            <a:lvl1pPr algn="l" defTabSz="914400" rtl="0" eaLnBrk="1" latinLnBrk="0" hangingPunct="1">
+              <a:lnSpc>
+                <a:spcPct val="90000"/>
+              </a:lnSpc>
+              <a:spcBef>
+                <a:spcPct val="0"/>
+              </a:spcBef>
+              <a:buNone/>
+              <a:defRPr sz="4400" kern="1200">
+                <a:solidFill>
+                  <a:schemeClr val="tx1"/>
+                </a:solidFill>
+                <a:latin typeface="+mj-lt"/>
+                <a:ea typeface="+mj-ea"/>
+                <a:cs typeface="+mj-cs"/>
+              </a:defRPr>
+            </a:lvl1pPr>
+          </a:lstStyle>
+          <a:p>
+            <a:r>
+              <a:rPr lang="en-US" sz="8800" dirty="0">
+                <a:solidFill>
+                  <a:schemeClr val="bg1"/>
+                </a:solidFill>
+                <a:latin typeface="Calisto MT" panose="02040603050505030304" pitchFamily="18" charset="0"/>
+              </a:rPr>
+              <a:t>2. Snap</a:t>
+            </a:r>
+            <a:endParaRPr lang="en-GB" sz="8800" dirty="0">
+              <a:solidFill>
+                <a:schemeClr val="bg1"/>
+              </a:solidFill>
+              <a:latin typeface="Calisto MT" panose="02040603050505030304" pitchFamily="18" charset="0"/>
+            </a:endParaRPr>
+          </a:p>
+        </p:txBody>
+      </p:sp>
+    </p:spTree>
+    <p:extLst>
+      <p:ext uri="{BB962C8B-B14F-4D97-AF65-F5344CB8AC3E}">
+        <p14:creationId xmlns:p14="http://schemas.microsoft.com/office/powerpoint/2010/main" val="2577616167"/>
+      </p:ext>
+    </p:extLst>
+  </p:cSld>
+  <p:clrMapOvr>
+    <a:masterClrMapping/>
+  </p:clrMapOvr>
+</p:sld>
+</file>
+
+<file path=ppt/slides/slide7.xml><?xml version="1.0" encoding="utf-8"?>
+<p:sld xmlns:a="http://schemas.openxmlformats.org/drawingml/2006/main" xmlns:r="http://schemas.openxmlformats.org/officeDocument/2006/relationships" xmlns:p="http://schemas.openxmlformats.org/presentationml/2006/main">
+  <p:cSld>
+    <p:spTree>
+      <p:nvGrpSpPr>
+        <p:cNvPr id="1" name=""/>
+        <p:cNvGrpSpPr/>
+        <p:nvPr/>
+      </p:nvGrpSpPr>
+      <p:grpSpPr>
+        <a:xfrm>
+          <a:off x="0" y="0"/>
+          <a:ext cx="0" cy="0"/>
+          <a:chOff x="0" y="0"/>
+          <a:chExt cx="0" cy="0"/>
+        </a:xfrm>
+      </p:grpSpPr>
+      <p:sp>
+        <p:nvSpPr>
+          <p:cNvPr id="4" name="Title 1">
+            <a:extLst>
+              <a:ext uri="{FF2B5EF4-FFF2-40B4-BE49-F238E27FC236}">
+                <a16:creationId xmlns:a16="http://schemas.microsoft.com/office/drawing/2014/main" id="{1FCE927C-E1DE-49DC-91C7-7B44C67A10CB}"/>
+              </a:ext>
+            </a:extLst>
+          </p:cNvPr>
+          <p:cNvSpPr txBox="1">
+            <a:spLocks/>
+          </p:cNvSpPr>
+          <p:nvPr/>
+        </p:nvSpPr>
+        <p:spPr>
+          <a:xfrm>
+            <a:off x="1524000" y="1336967"/>
+            <a:ext cx="9144000" cy="2880470"/>
+          </a:xfrm>
+          <a:prstGeom prst="rect">
+            <a:avLst/>
+          </a:prstGeom>
+        </p:spPr>
+        <p:txBody>
+          <a:bodyPr vert="horz" lIns="91440" tIns="45720" rIns="91440" bIns="45720" rtlCol="0" anchor="ctr">
+            <a:noAutofit/>
+          </a:bodyPr>
+          <a:lstStyle>
+            <a:lvl1pPr algn="l" defTabSz="914400" rtl="0" eaLnBrk="1" latinLnBrk="0" hangingPunct="1">
+              <a:lnSpc>
+                <a:spcPct val="90000"/>
+              </a:lnSpc>
+              <a:spcBef>
+                <a:spcPct val="0"/>
+              </a:spcBef>
+              <a:buNone/>
+              <a:defRPr sz="4400" kern="1200">
+                <a:solidFill>
+                  <a:schemeClr val="tx1"/>
+                </a:solidFill>
+                <a:latin typeface="+mj-lt"/>
+                <a:ea typeface="+mj-ea"/>
+                <a:cs typeface="+mj-cs"/>
+              </a:defRPr>
+            </a:lvl1pPr>
+          </a:lstStyle>
+          <a:p>
+            <a:pPr algn="ctr"/>
+            <a:r>
+              <a:rPr lang="en-US" sz="8800" dirty="0">
+                <a:solidFill>
+                  <a:schemeClr val="bg1"/>
+                </a:solidFill>
+                <a:latin typeface="Calisto MT" panose="02040603050505030304" pitchFamily="18" charset="0"/>
+              </a:rPr>
+              <a:t>Computer Vision Technology</a:t>
+            </a:r>
+            <a:endParaRPr lang="en-GB" sz="8800" dirty="0">
+              <a:solidFill>
+                <a:schemeClr val="bg1"/>
+              </a:solidFill>
+              <a:latin typeface="Calisto MT" panose="02040603050505030304" pitchFamily="18" charset="0"/>
+            </a:endParaRPr>
+          </a:p>
+        </p:txBody>
+      </p:sp>
+    </p:spTree>
+    <p:extLst>
+      <p:ext uri="{BB962C8B-B14F-4D97-AF65-F5344CB8AC3E}">
+        <p14:creationId xmlns:p14="http://schemas.microsoft.com/office/powerpoint/2010/main" val="2420334845"/>
+      </p:ext>
+    </p:extLst>
+  </p:cSld>
+  <p:clrMapOvr>
+    <a:masterClrMapping/>
+  </p:clrMapOvr>
+</p:sld>
+</file>
+
+<file path=ppt/slides/slide8.xml><?xml version="1.0" encoding="utf-8"?>
+<p:sld xmlns:a="http://schemas.openxmlformats.org/drawingml/2006/main" xmlns:r="http://schemas.openxmlformats.org/officeDocument/2006/relationships" xmlns:p="http://schemas.openxmlformats.org/presentationml/2006/main">
+  <p:cSld>
+    <p:spTree>
+      <p:nvGrpSpPr>
+        <p:cNvPr id="1" name=""/>
+        <p:cNvGrpSpPr/>
+        <p:nvPr/>
+      </p:nvGrpSpPr>
+      <p:grpSpPr>
+        <a:xfrm>
+          <a:off x="0" y="0"/>
+          <a:ext cx="0" cy="0"/>
+          <a:chOff x="0" y="0"/>
+          <a:chExt cx="0" cy="0"/>
+        </a:xfrm>
+      </p:grpSpPr>
+      <p:sp>
+        <p:nvSpPr>
           <p:cNvPr id="2" name="Title 1">
             <a:extLst>
               <a:ext uri="{FF2B5EF4-FFF2-40B4-BE49-F238E27FC236}">
@@ -4327,7 +4773,7 @@
 </p:sld>
 </file>
 
-<file path=ppt/slides/slide7.xml><?xml version="1.0" encoding="utf-8"?>
+<file path=ppt/slides/slide9.xml><?xml version="1.0" encoding="utf-8"?>
 <p:sld xmlns:a="http://schemas.openxmlformats.org/drawingml/2006/main" xmlns:r="http://schemas.openxmlformats.org/officeDocument/2006/relationships" xmlns:p="http://schemas.openxmlformats.org/presentationml/2006/main">
   <p:cSld>
     <p:spTree>
